--- a/CONTEXT.pptx
+++ b/CONTEXT.pptx
@@ -8570,11 +8570,37 @@
           <a:p>
             <a:r>
               <a:rPr lang="es-MX" dirty="0" smtClean="0"/>
-              <a:t>Crear pagina de inicio que contenga en su cabecera la información del </a:t>
-            </a:r>
-            <a:r>
-              <a:rPr lang="es-MX" smtClean="0"/>
-              <a:t>usuario autenticado.</a:t>
+              <a:t>Crear pagina de inicio que contenga en su cabecera la información del usuario autenticado. Diseñar el cuerpo de la pagina de manera tal que sea llamativo visualmente.</a:t>
+            </a:r>
+          </a:p>
+          <a:p>
+            <a:r>
+              <a:rPr lang="es-MX" dirty="0" smtClean="0"/>
+              <a:t>Crear 2 links adicionales que lleven a paginas, de </a:t>
+            </a:r>
+            <a:r>
+              <a:rPr lang="es-MX" dirty="0" err="1" smtClean="0"/>
+              <a:t>contactenos</a:t>
+            </a:r>
+            <a:r>
+              <a:rPr lang="es-MX" dirty="0" smtClean="0"/>
+              <a:t> donde se precarguen los datos del usuario </a:t>
+            </a:r>
+            <a:r>
+              <a:rPr lang="es-MX" dirty="0" err="1" smtClean="0"/>
+              <a:t>logueado</a:t>
+            </a:r>
+            <a:r>
+              <a:rPr lang="es-MX" dirty="0" smtClean="0"/>
+              <a:t>, a excepción del campo observaciones; la otra pagina será de restablecimiento de contraseña, donde se debe actualizar la contraseña del usuario en el archivo </a:t>
+            </a:r>
+            <a:r>
+              <a:rPr lang="es-MX" dirty="0" err="1" smtClean="0"/>
+              <a:t>json</a:t>
+            </a:r>
+            <a:r>
+              <a:rPr lang="es-MX" dirty="0" smtClean="0"/>
+              <a:t>; al realizar esta acción se debe cerrar la sesión y solicitar que inicie sesión de nuevo.</a:t>
             </a:r>
           </a:p>
           <a:p>
@@ -8592,6 +8618,13 @@
   <p:clrMapOvr>
     <a:masterClrMapping/>
   </p:clrMapOvr>
+  <p:timing>
+    <p:tnLst>
+      <p:par>
+        <p:cTn id="1" dur="indefinite" restart="never" nodeType="tmRoot"/>
+      </p:par>
+    </p:tnLst>
+  </p:timing>
 </p:sld>
 </file>
 
